--- a/deliverables/Problem_Analysis/P3.1 OM.pptx
+++ b/deliverables/Problem_Analysis/P3.1 OM.pptx
@@ -291,7 +291,7 @@
           <a:p>
             <a:fld id="{5FF110C1-6DF0-874E-8DB8-4AABBCC5EB31}" type="datetimeFigureOut">
               <a:rPr lang="en-US" smtClean="0"/>
-              <a:t>11/5/12</a:t>
+              <a:t>12/6/12</a:t>
             </a:fld>
             <a:endParaRPr lang="en-US"/>
           </a:p>
@@ -461,7 +461,7 @@
           <a:p>
             <a:fld id="{5FF110C1-6DF0-874E-8DB8-4AABBCC5EB31}" type="datetimeFigureOut">
               <a:rPr lang="en-US" smtClean="0"/>
-              <a:t>11/5/12</a:t>
+              <a:t>12/6/12</a:t>
             </a:fld>
             <a:endParaRPr lang="en-US"/>
           </a:p>
@@ -641,7 +641,7 @@
           <a:p>
             <a:fld id="{5FF110C1-6DF0-874E-8DB8-4AABBCC5EB31}" type="datetimeFigureOut">
               <a:rPr lang="en-US" smtClean="0"/>
-              <a:t>11/5/12</a:t>
+              <a:t>12/6/12</a:t>
             </a:fld>
             <a:endParaRPr lang="en-US"/>
           </a:p>
@@ -811,7 +811,7 @@
           <a:p>
             <a:fld id="{5FF110C1-6DF0-874E-8DB8-4AABBCC5EB31}" type="datetimeFigureOut">
               <a:rPr lang="en-US" smtClean="0"/>
-              <a:t>11/5/12</a:t>
+              <a:t>12/6/12</a:t>
             </a:fld>
             <a:endParaRPr lang="en-US"/>
           </a:p>
@@ -1057,7 +1057,7 @@
           <a:p>
             <a:fld id="{5FF110C1-6DF0-874E-8DB8-4AABBCC5EB31}" type="datetimeFigureOut">
               <a:rPr lang="en-US" smtClean="0"/>
-              <a:t>11/5/12</a:t>
+              <a:t>12/6/12</a:t>
             </a:fld>
             <a:endParaRPr lang="en-US"/>
           </a:p>
@@ -1345,7 +1345,7 @@
           <a:p>
             <a:fld id="{5FF110C1-6DF0-874E-8DB8-4AABBCC5EB31}" type="datetimeFigureOut">
               <a:rPr lang="en-US" smtClean="0"/>
-              <a:t>11/5/12</a:t>
+              <a:t>12/6/12</a:t>
             </a:fld>
             <a:endParaRPr lang="en-US"/>
           </a:p>
@@ -1767,7 +1767,7 @@
           <a:p>
             <a:fld id="{5FF110C1-6DF0-874E-8DB8-4AABBCC5EB31}" type="datetimeFigureOut">
               <a:rPr lang="en-US" smtClean="0"/>
-              <a:t>11/5/12</a:t>
+              <a:t>12/6/12</a:t>
             </a:fld>
             <a:endParaRPr lang="en-US"/>
           </a:p>
@@ -1885,7 +1885,7 @@
           <a:p>
             <a:fld id="{5FF110C1-6DF0-874E-8DB8-4AABBCC5EB31}" type="datetimeFigureOut">
               <a:rPr lang="en-US" smtClean="0"/>
-              <a:t>11/5/12</a:t>
+              <a:t>12/6/12</a:t>
             </a:fld>
             <a:endParaRPr lang="en-US"/>
           </a:p>
@@ -1980,7 +1980,7 @@
           <a:p>
             <a:fld id="{5FF110C1-6DF0-874E-8DB8-4AABBCC5EB31}" type="datetimeFigureOut">
               <a:rPr lang="en-US" smtClean="0"/>
-              <a:t>11/5/12</a:t>
+              <a:t>12/6/12</a:t>
             </a:fld>
             <a:endParaRPr lang="en-US"/>
           </a:p>
@@ -2257,7 +2257,7 @@
           <a:p>
             <a:fld id="{5FF110C1-6DF0-874E-8DB8-4AABBCC5EB31}" type="datetimeFigureOut">
               <a:rPr lang="en-US" smtClean="0"/>
-              <a:t>11/5/12</a:t>
+              <a:t>12/6/12</a:t>
             </a:fld>
             <a:endParaRPr lang="en-US"/>
           </a:p>
@@ -2510,7 +2510,7 @@
           <a:p>
             <a:fld id="{5FF110C1-6DF0-874E-8DB8-4AABBCC5EB31}" type="datetimeFigureOut">
               <a:rPr lang="en-US" smtClean="0"/>
-              <a:t>11/5/12</a:t>
+              <a:t>12/6/12</a:t>
             </a:fld>
             <a:endParaRPr lang="en-US"/>
           </a:p>
@@ -2723,7 +2723,7 @@
           <a:p>
             <a:fld id="{5FF110C1-6DF0-874E-8DB8-4AABBCC5EB31}" type="datetimeFigureOut">
               <a:rPr lang="en-US" smtClean="0"/>
-              <a:t>11/5/12</a:t>
+              <a:t>12/6/12</a:t>
             </a:fld>
             <a:endParaRPr lang="en-US"/>
           </a:p>
@@ -5501,15 +5501,7 @@
           <a:p>
             <a:r>
               <a:rPr lang="en-US" sz="1600" dirty="0" smtClean="0"/>
-              <a:t>	User </a:t>
-            </a:r>
-            <a:r>
-              <a:rPr lang="en-US" sz="1600" dirty="0" smtClean="0"/>
-              <a:t>authenticated </a:t>
-            </a:r>
-            <a:r>
-              <a:rPr lang="en-US" sz="1600" dirty="0" smtClean="0"/>
-              <a:t>by</a:t>
+              <a:t>	User authenticated by</a:t>
             </a:r>
             <a:endParaRPr lang="en-US" sz="1600" dirty="0"/>
           </a:p>
@@ -5761,15 +5753,7 @@
           <a:p>
             <a:r>
               <a:rPr lang="en-US" sz="1600" dirty="0" smtClean="0"/>
-              <a:t>Vote </a:t>
-            </a:r>
-            <a:r>
-              <a:rPr lang="en-US" sz="1600" dirty="0" smtClean="0"/>
-              <a:t>occurs on </a:t>
-            </a:r>
-            <a:r>
-              <a:rPr lang="en-US" sz="1600" dirty="0" smtClean="0"/>
-              <a:t>Post</a:t>
+              <a:t>Vote occurs on Post</a:t>
             </a:r>
           </a:p>
           <a:p>
@@ -6455,11 +6439,7 @@
             <a:pPr algn="ctr"/>
             <a:r>
               <a:rPr lang="en-US" sz="1800" dirty="0" smtClean="0"/>
-              <a:t>POST </a:t>
-            </a:r>
-            <a:r>
-              <a:rPr lang="en-US" sz="1800" dirty="0" smtClean="0"/>
-              <a:t>VOTE</a:t>
+              <a:t>POST VOTE</a:t>
             </a:r>
             <a:endParaRPr lang="en-US" sz="1800" dirty="0"/>
           </a:p>
@@ -6881,7 +6861,6 @@
               <a:rPr lang="en-US" sz="1600" dirty="0" smtClean="0"/>
               <a:t>*</a:t>
             </a:r>
-            <a:endParaRPr lang="en-US" sz="1600" dirty="0" smtClean="0"/>
           </a:p>
         </p:txBody>
       </p:sp>
@@ -6958,7 +6937,7 @@
         </p:nvSpPr>
         <p:spPr>
           <a:xfrm>
-            <a:off x="672376" y="515937"/>
+            <a:off x="650456" y="529522"/>
             <a:ext cx="5113749" cy="646331"/>
           </a:xfrm>
           <a:prstGeom prst="rect">
@@ -7135,8 +7114,12 @@
           <a:p>
             <a:pPr algn="ctr"/>
             <a:r>
+              <a:rPr lang="en-US" dirty="0"/>
+              <a:t>U</a:t>
+            </a:r>
+            <a:r>
               <a:rPr lang="en-US" dirty="0" smtClean="0"/>
-              <a:t>Lonely Bachelors (user base)</a:t>
+              <a:t>ser base</a:t>
             </a:r>
             <a:endParaRPr lang="en-US" dirty="0"/>
           </a:p>
@@ -7352,7 +7335,15 @@
           <a:p>
             <a:r>
               <a:rPr lang="en-US" sz="2000" dirty="0" smtClean="0"/>
-              <a:t>Lonely Bachelors find or post interesting things on the internet, typically on </a:t>
+              <a:t>Users </a:t>
+            </a:r>
+            <a:r>
+              <a:rPr lang="en-US" sz="2000" dirty="0" smtClean="0"/>
+              <a:t>find </a:t>
+            </a:r>
+            <a:r>
+              <a:rPr lang="en-US" sz="2000" dirty="0" smtClean="0"/>
+              <a:t>or post interesting things on the internet, typically on </a:t>
             </a:r>
             <a:r>
               <a:rPr lang="en-US" sz="2000" dirty="0" err="1" smtClean="0"/>
@@ -7391,7 +7382,7 @@
         <p:spPr>
           <a:xfrm>
             <a:off x="7570454" y="8041112"/>
-            <a:ext cx="2938531" cy="2246769"/>
+            <a:ext cx="2938531" cy="1938992"/>
           </a:xfrm>
           <a:prstGeom prst="rect">
             <a:avLst/>
@@ -7406,7 +7397,15 @@
           <a:p>
             <a:r>
               <a:rPr lang="en-US" sz="2000" dirty="0" smtClean="0"/>
-              <a:t>Lonely Bachelors want to share these finds with others, so they post them on Red-Dot. Links are commented on and voted up / down by other lonely bachelors.</a:t>
+              <a:t>Users </a:t>
+            </a:r>
+            <a:r>
+              <a:rPr lang="en-US" sz="2000" dirty="0" smtClean="0"/>
+              <a:t>want to share these finds with others, so they post them on Red-Dot. Links are commented on and voted up / down by other </a:t>
+            </a:r>
+            <a:r>
+              <a:rPr lang="en-US" sz="2000" dirty="0" smtClean="0"/>
+              <a:t>users.</a:t>
             </a:r>
             <a:endParaRPr lang="en-US" sz="2000" dirty="0"/>
           </a:p>
